--- a/figures/f2n_f2p_models.pptx
+++ b/figures/f2n_f2p_models.pptx
@@ -254,7 +254,7 @@
           <a:p>
             <a:fld id="{C80E825F-4FFE-6545-B6EF-67103D8346D2}" type="datetimeFigureOut">
               <a:rPr lang="en-US" smtClean="0"/>
-              <a:t>3/18/20</a:t>
+              <a:t>5/3/20</a:t>
             </a:fld>
             <a:endParaRPr lang="en-US"/>
           </a:p>
@@ -424,7 +424,7 @@
           <a:p>
             <a:fld id="{C80E825F-4FFE-6545-B6EF-67103D8346D2}" type="datetimeFigureOut">
               <a:rPr lang="en-US" smtClean="0"/>
-              <a:t>3/18/20</a:t>
+              <a:t>5/3/20</a:t>
             </a:fld>
             <a:endParaRPr lang="en-US"/>
           </a:p>
@@ -604,7 +604,7 @@
           <a:p>
             <a:fld id="{C80E825F-4FFE-6545-B6EF-67103D8346D2}" type="datetimeFigureOut">
               <a:rPr lang="en-US" smtClean="0"/>
-              <a:t>3/18/20</a:t>
+              <a:t>5/3/20</a:t>
             </a:fld>
             <a:endParaRPr lang="en-US"/>
           </a:p>
@@ -774,7 +774,7 @@
           <a:p>
             <a:fld id="{C80E825F-4FFE-6545-B6EF-67103D8346D2}" type="datetimeFigureOut">
               <a:rPr lang="en-US" smtClean="0"/>
-              <a:t>3/18/20</a:t>
+              <a:t>5/3/20</a:t>
             </a:fld>
             <a:endParaRPr lang="en-US"/>
           </a:p>
@@ -1018,7 +1018,7 @@
           <a:p>
             <a:fld id="{C80E825F-4FFE-6545-B6EF-67103D8346D2}" type="datetimeFigureOut">
               <a:rPr lang="en-US" smtClean="0"/>
-              <a:t>3/18/20</a:t>
+              <a:t>5/3/20</a:t>
             </a:fld>
             <a:endParaRPr lang="en-US"/>
           </a:p>
@@ -1250,7 +1250,7 @@
           <a:p>
             <a:fld id="{C80E825F-4FFE-6545-B6EF-67103D8346D2}" type="datetimeFigureOut">
               <a:rPr lang="en-US" smtClean="0"/>
-              <a:t>3/18/20</a:t>
+              <a:t>5/3/20</a:t>
             </a:fld>
             <a:endParaRPr lang="en-US"/>
           </a:p>
@@ -1617,7 +1617,7 @@
           <a:p>
             <a:fld id="{C80E825F-4FFE-6545-B6EF-67103D8346D2}" type="datetimeFigureOut">
               <a:rPr lang="en-US" smtClean="0"/>
-              <a:t>3/18/20</a:t>
+              <a:t>5/3/20</a:t>
             </a:fld>
             <a:endParaRPr lang="en-US"/>
           </a:p>
@@ -1735,7 +1735,7 @@
           <a:p>
             <a:fld id="{C80E825F-4FFE-6545-B6EF-67103D8346D2}" type="datetimeFigureOut">
               <a:rPr lang="en-US" smtClean="0"/>
-              <a:t>3/18/20</a:t>
+              <a:t>5/3/20</a:t>
             </a:fld>
             <a:endParaRPr lang="en-US"/>
           </a:p>
@@ -1830,7 +1830,7 @@
           <a:p>
             <a:fld id="{C80E825F-4FFE-6545-B6EF-67103D8346D2}" type="datetimeFigureOut">
               <a:rPr lang="en-US" smtClean="0"/>
-              <a:t>3/18/20</a:t>
+              <a:t>5/3/20</a:t>
             </a:fld>
             <a:endParaRPr lang="en-US"/>
           </a:p>
@@ -2107,7 +2107,7 @@
           <a:p>
             <a:fld id="{C80E825F-4FFE-6545-B6EF-67103D8346D2}" type="datetimeFigureOut">
               <a:rPr lang="en-US" smtClean="0"/>
-              <a:t>3/18/20</a:t>
+              <a:t>5/3/20</a:t>
             </a:fld>
             <a:endParaRPr lang="en-US"/>
           </a:p>
@@ -2364,7 +2364,7 @@
           <a:p>
             <a:fld id="{C80E825F-4FFE-6545-B6EF-67103D8346D2}" type="datetimeFigureOut">
               <a:rPr lang="en-US" smtClean="0"/>
-              <a:t>3/18/20</a:t>
+              <a:t>5/3/20</a:t>
             </a:fld>
             <a:endParaRPr lang="en-US"/>
           </a:p>
@@ -2577,7 +2577,7 @@
           <a:p>
             <a:fld id="{C80E825F-4FFE-6545-B6EF-67103D8346D2}" type="datetimeFigureOut">
               <a:rPr lang="en-US" smtClean="0"/>
-              <a:t>3/18/20</a:t>
+              <a:t>5/3/20</a:t>
             </a:fld>
             <a:endParaRPr lang="en-US"/>
           </a:p>
@@ -3102,8 +3102,8 @@
           </a:p>
         </p:txBody>
       </p:sp>
-      <mc:AlternateContent xmlns:mc="http://schemas.openxmlformats.org/markup-compatibility/2006">
-        <mc:Choice xmlns:a14="http://schemas.microsoft.com/office/drawing/2010/main" Requires="a14">
+      <mc:AlternateContent xmlns:mc="http://schemas.openxmlformats.org/markup-compatibility/2006" xmlns:a14="http://schemas.microsoft.com/office/drawing/2010/main">
+        <mc:Choice Requires="a14">
           <p:sp>
             <p:nvSpPr>
               <p:cNvPr id="7" name="TextBox 6"/>
@@ -3126,6 +3126,7 @@
               </a:bodyPr>
               <a:lstStyle/>
               <a:p>
+                <a:pPr/>
                 <a14:m>
                   <m:oMathPara xmlns:m="http://schemas.openxmlformats.org/officeDocument/2006/math">
                     <m:oMathParaPr>
@@ -3146,7 +3147,7 @@
             </p:txBody>
           </p:sp>
         </mc:Choice>
-        <mc:Fallback>
+        <mc:Fallback xmlns="">
           <p:sp>
             <p:nvSpPr>
               <p:cNvPr id="7" name="TextBox 6"/>
@@ -3185,8 +3186,8 @@
           </p:sp>
         </mc:Fallback>
       </mc:AlternateContent>
-      <mc:AlternateContent xmlns:mc="http://schemas.openxmlformats.org/markup-compatibility/2006">
-        <mc:Choice xmlns:a14="http://schemas.microsoft.com/office/drawing/2010/main" Requires="a14">
+      <mc:AlternateContent xmlns:mc="http://schemas.openxmlformats.org/markup-compatibility/2006" xmlns:a14="http://schemas.microsoft.com/office/drawing/2010/main">
+        <mc:Choice Requires="a14">
           <p:sp>
             <p:nvSpPr>
               <p:cNvPr id="8" name="TextBox 7"/>
@@ -3209,6 +3210,7 @@
               </a:bodyPr>
               <a:lstStyle/>
               <a:p>
+                <a:pPr/>
                 <a14:m>
                   <m:oMathPara xmlns:m="http://schemas.openxmlformats.org/officeDocument/2006/math">
                     <m:oMathParaPr>
@@ -3303,7 +3305,7 @@
             </p:txBody>
           </p:sp>
         </mc:Choice>
-        <mc:Fallback>
+        <mc:Fallback xmlns="">
           <p:sp>
             <p:nvSpPr>
               <p:cNvPr id="8" name="TextBox 7"/>
@@ -3511,6 +3513,29 @@
           </a:p>
         </p:txBody>
       </p:sp>
+      <p:pic>
+        <p:nvPicPr>
+          <p:cNvPr id="12" name="Picture 11"/>
+          <p:cNvPicPr>
+            <a:picLocks noChangeAspect="1"/>
+          </p:cNvPicPr>
+          <p:nvPr/>
+        </p:nvPicPr>
+        <p:blipFill rotWithShape="1">
+          <a:blip r:embed="rId2"/>
+          <a:srcRect l="91583" t="63904" b="27858"/>
+          <a:stretch/>
+        </p:blipFill>
+        <p:spPr>
+          <a:xfrm>
+            <a:off x="6804452" y="4233445"/>
+            <a:ext cx="521899" cy="564984"/>
+          </a:xfrm>
+          <a:prstGeom prst="rect">
+            <a:avLst/>
+          </a:prstGeom>
+        </p:spPr>
+      </p:pic>
     </p:spTree>
     <p:extLst>
       <p:ext uri="{BB962C8B-B14F-4D97-AF65-F5344CB8AC3E}">
